--- a/_site/assets/docu/프레젠테이션1.pptx
+++ b/_site/assets/docu/프레젠테이션1.pptx
@@ -3362,8 +3362,8 @@
         </p:blipFill>
         <p:spPr>
           <a:xfrm>
-            <a:off x="-5751984" y="799863"/>
-            <a:ext cx="5530311" cy="5495961"/>
+            <a:off x="-4580965" y="-242347"/>
+            <a:ext cx="6964310" cy="6921053"/>
           </a:xfrm>
           <a:prstGeom prst="rect">
             <a:avLst/>
@@ -3397,7 +3397,7 @@
         </p:blipFill>
         <p:spPr>
           <a:xfrm>
-            <a:off x="141111" y="1766710"/>
+            <a:off x="129822" y="1969080"/>
             <a:ext cx="11932356" cy="3296357"/>
           </a:xfrm>
           <a:prstGeom prst="rect">
@@ -3425,8 +3425,8 @@
         </p:nvSpPr>
         <p:spPr>
           <a:xfrm>
-            <a:off x="344016" y="3429000"/>
-            <a:ext cx="6638161" cy="1169551"/>
+            <a:off x="448202" y="3366015"/>
+            <a:ext cx="6638161" cy="1446550"/>
           </a:xfrm>
           <a:prstGeom prst="rect">
             <a:avLst/>
@@ -3440,7 +3440,7 @@
           <a:lstStyle/>
           <a:p>
             <a:r>
-              <a:rPr lang="en-US" altLang="ko-KR" sz="7000" dirty="0">
+              <a:rPr lang="en-US" altLang="ko-KR" sz="8800" dirty="0">
                 <a:solidFill>
                   <a:schemeClr val="accent1">
                     <a:lumMod val="20000"/>
@@ -3451,7 +3451,7 @@
               </a:rPr>
               <a:t>Tech  Journal</a:t>
             </a:r>
-            <a:endParaRPr lang="ko-KR" altLang="en-US" sz="7000" dirty="0">
+            <a:endParaRPr lang="ko-KR" altLang="en-US" sz="8800" dirty="0">
               <a:solidFill>
                 <a:schemeClr val="accent1">
                   <a:lumMod val="20000"/>

--- a/_site/assets/docu/프레젠테이션1.pptx
+++ b/_site/assets/docu/프레젠테이션1.pptx
@@ -3348,7 +3348,7 @@
           </p:cNvPicPr>
           <p:nvPr/>
         </p:nvPicPr>
-        <p:blipFill>
+        <p:blipFill rotWithShape="1">
           <a:blip r:embed="rId2">
             <a:extLst>
               <a:ext uri="{28A0092B-C50C-407E-A947-70E740481C1C}">
@@ -3356,14 +3356,13 @@
               </a:ext>
             </a:extLst>
           </a:blip>
-          <a:stretch>
-            <a:fillRect/>
-          </a:stretch>
+          <a:srcRect t="-9794" b="45846"/>
+          <a:stretch/>
         </p:blipFill>
         <p:spPr>
           <a:xfrm>
-            <a:off x="-4580965" y="-242347"/>
-            <a:ext cx="6964310" cy="6921053"/>
+            <a:off x="-4527613" y="-1066800"/>
+            <a:ext cx="10960563" cy="6965576"/>
           </a:xfrm>
           <a:prstGeom prst="rect">
             <a:avLst/>
@@ -3442,9 +3441,8 @@
             <a:r>
               <a:rPr lang="en-US" altLang="ko-KR" sz="8800" dirty="0">
                 <a:solidFill>
-                  <a:schemeClr val="accent1">
-                    <a:lumMod val="20000"/>
-                    <a:lumOff val="80000"/>
+                  <a:schemeClr val="accent5">
+                    <a:lumMod val="50000"/>
                   </a:schemeClr>
                 </a:solidFill>
                 <a:latin typeface="Impact" panose="020B0806030902050204" pitchFamily="34" charset="0"/>
@@ -3453,9 +3451,8 @@
             </a:r>
             <a:endParaRPr lang="ko-KR" altLang="en-US" sz="8800" dirty="0">
               <a:solidFill>
-                <a:schemeClr val="accent1">
-                  <a:lumMod val="20000"/>
-                  <a:lumOff val="80000"/>
+                <a:schemeClr val="accent5">
+                  <a:lumMod val="50000"/>
                 </a:schemeClr>
               </a:solidFill>
               <a:latin typeface="Impact" panose="020B0806030902050204" pitchFamily="34" charset="0"/>
